--- a/insincere_questions_classification/reports/Presentation.pptx
+++ b/insincere_questions_classification/reports/Presentation.pptx
@@ -5,7 +5,7 @@
     <p:sldMasterId id="2147483659" r:id="rId1"/>
   </p:sldMasterIdLst>
   <p:notesMasterIdLst>
-    <p:notesMasterId r:id="rId15"/>
+    <p:notesMasterId r:id="rId17"/>
   </p:notesMasterIdLst>
   <p:sldIdLst>
     <p:sldId id="256" r:id="rId2"/>
@@ -17,25 +17,27 @@
     <p:sldId id="263" r:id="rId8"/>
     <p:sldId id="264" r:id="rId9"/>
     <p:sldId id="265" r:id="rId10"/>
-    <p:sldId id="266" r:id="rId11"/>
-    <p:sldId id="267" r:id="rId12"/>
-    <p:sldId id="268" r:id="rId13"/>
-    <p:sldId id="269" r:id="rId14"/>
+    <p:sldId id="271" r:id="rId11"/>
+    <p:sldId id="270" r:id="rId12"/>
+    <p:sldId id="266" r:id="rId13"/>
+    <p:sldId id="267" r:id="rId14"/>
+    <p:sldId id="268" r:id="rId15"/>
+    <p:sldId id="269" r:id="rId16"/>
   </p:sldIdLst>
   <p:sldSz cx="9144000" cy="5143500" type="screen16x9"/>
   <p:notesSz cx="6858000" cy="9144000"/>
   <p:embeddedFontLst>
     <p:embeddedFont>
       <p:font typeface="Roboto" panose="02000000000000000000" pitchFamily="2" charset="0"/>
-      <p:regular r:id="rId16"/>
-      <p:bold r:id="rId17"/>
-      <p:italic r:id="rId18"/>
-      <p:boldItalic r:id="rId19"/>
+      <p:regular r:id="rId18"/>
+      <p:bold r:id="rId19"/>
+      <p:italic r:id="rId20"/>
+      <p:boldItalic r:id="rId21"/>
     </p:embeddedFont>
     <p:embeddedFont>
       <p:font typeface="Roboto Slab" pitchFamily="2" charset="0"/>
-      <p:regular r:id="rId20"/>
-      <p:bold r:id="rId21"/>
+      <p:regular r:id="rId22"/>
+      <p:bold r:id="rId23"/>
     </p:embeddedFont>
   </p:embeddedFontLst>
   <p:defaultTextStyle>
@@ -836,6 +838,224 @@
   <p:cSld>
     <p:spTree>
       <p:nvGrpSpPr>
+        <p:cNvPr id="1" name="Shape 115"/>
+        <p:cNvGrpSpPr/>
+        <p:nvPr/>
+      </p:nvGrpSpPr>
+      <p:grpSpPr>
+        <a:xfrm>
+          <a:off x="0" y="0"/>
+          <a:ext cx="0" cy="0"/>
+          <a:chOff x="0" y="0"/>
+          <a:chExt cx="0" cy="0"/>
+        </a:xfrm>
+      </p:grpSpPr>
+      <p:sp>
+        <p:nvSpPr>
+          <p:cNvPr id="116" name="Google Shape;116;g7446d08b66_0_48:notes"/>
+          <p:cNvSpPr>
+            <a:spLocks noGrp="1" noRot="1" noChangeAspect="1"/>
+          </p:cNvSpPr>
+          <p:nvPr>
+            <p:ph type="sldImg" idx="2"/>
+          </p:nvPr>
+        </p:nvSpPr>
+        <p:spPr>
+          <a:xfrm>
+            <a:off x="381000" y="685800"/>
+            <a:ext cx="6096000" cy="3429000"/>
+          </a:xfrm>
+          <a:custGeom>
+            <a:avLst/>
+            <a:gdLst/>
+            <a:ahLst/>
+            <a:cxnLst/>
+            <a:rect l="l" t="t" r="r" b="b"/>
+            <a:pathLst>
+              <a:path w="120000" h="120000" extrusionOk="0">
+                <a:moveTo>
+                  <a:pt x="0" y="0"/>
+                </a:moveTo>
+                <a:lnTo>
+                  <a:pt x="120000" y="0"/>
+                </a:lnTo>
+                <a:lnTo>
+                  <a:pt x="120000" y="120000"/>
+                </a:lnTo>
+                <a:lnTo>
+                  <a:pt x="0" y="120000"/>
+                </a:lnTo>
+                <a:close/>
+              </a:path>
+            </a:pathLst>
+          </a:custGeom>
+        </p:spPr>
+      </p:sp>
+      <p:sp>
+        <p:nvSpPr>
+          <p:cNvPr id="117" name="Google Shape;117;g7446d08b66_0_48:notes"/>
+          <p:cNvSpPr txBox="1">
+            <a:spLocks noGrp="1"/>
+          </p:cNvSpPr>
+          <p:nvPr>
+            <p:ph type="body" idx="1"/>
+          </p:nvPr>
+        </p:nvSpPr>
+        <p:spPr>
+          <a:xfrm>
+            <a:off x="685800" y="4343400"/>
+            <a:ext cx="5486400" cy="4114800"/>
+          </a:xfrm>
+          <a:prstGeom prst="rect">
+            <a:avLst/>
+          </a:prstGeom>
+        </p:spPr>
+        <p:txBody>
+          <a:bodyPr spcFirstLastPara="1" wrap="square" lIns="91425" tIns="91425" rIns="91425" bIns="91425" anchor="t" anchorCtr="0">
+            <a:noAutofit/>
+          </a:bodyPr>
+          <a:lstStyle/>
+          <a:p>
+            <a:pPr marL="0" lvl="0" indent="0" algn="l" rtl="0">
+              <a:spcBef>
+                <a:spcPts val="0"/>
+              </a:spcBef>
+              <a:spcAft>
+                <a:spcPts val="0"/>
+              </a:spcAft>
+              <a:buNone/>
+            </a:pPr>
+            <a:endParaRPr dirty="0"/>
+          </a:p>
+        </p:txBody>
+      </p:sp>
+    </p:spTree>
+    <p:extLst>
+      <p:ext uri="{BB962C8B-B14F-4D97-AF65-F5344CB8AC3E}">
+        <p14:creationId xmlns:p14="http://schemas.microsoft.com/office/powerpoint/2010/main" val="2009644170"/>
+      </p:ext>
+    </p:extLst>
+  </p:cSld>
+  <p:clrMapOvr>
+    <a:masterClrMapping/>
+  </p:clrMapOvr>
+</p:notes>
+</file>
+
+<file path=ppt/notesSlides/notesSlide11.xml><?xml version="1.0" encoding="utf-8"?>
+<p:notes xmlns:a="http://schemas.openxmlformats.org/drawingml/2006/main" xmlns:r="http://schemas.openxmlformats.org/officeDocument/2006/relationships" xmlns:p="http://schemas.openxmlformats.org/presentationml/2006/main" showMasterSp="0" showMasterPhAnim="0">
+  <p:cSld>
+    <p:spTree>
+      <p:nvGrpSpPr>
+        <p:cNvPr id="1" name="Shape 115"/>
+        <p:cNvGrpSpPr/>
+        <p:nvPr/>
+      </p:nvGrpSpPr>
+      <p:grpSpPr>
+        <a:xfrm>
+          <a:off x="0" y="0"/>
+          <a:ext cx="0" cy="0"/>
+          <a:chOff x="0" y="0"/>
+          <a:chExt cx="0" cy="0"/>
+        </a:xfrm>
+      </p:grpSpPr>
+      <p:sp>
+        <p:nvSpPr>
+          <p:cNvPr id="116" name="Google Shape;116;g7446d08b66_0_48:notes"/>
+          <p:cNvSpPr>
+            <a:spLocks noGrp="1" noRot="1" noChangeAspect="1"/>
+          </p:cNvSpPr>
+          <p:nvPr>
+            <p:ph type="sldImg" idx="2"/>
+          </p:nvPr>
+        </p:nvSpPr>
+        <p:spPr>
+          <a:xfrm>
+            <a:off x="381000" y="685800"/>
+            <a:ext cx="6096000" cy="3429000"/>
+          </a:xfrm>
+          <a:custGeom>
+            <a:avLst/>
+            <a:gdLst/>
+            <a:ahLst/>
+            <a:cxnLst/>
+            <a:rect l="l" t="t" r="r" b="b"/>
+            <a:pathLst>
+              <a:path w="120000" h="120000" extrusionOk="0">
+                <a:moveTo>
+                  <a:pt x="0" y="0"/>
+                </a:moveTo>
+                <a:lnTo>
+                  <a:pt x="120000" y="0"/>
+                </a:lnTo>
+                <a:lnTo>
+                  <a:pt x="120000" y="120000"/>
+                </a:lnTo>
+                <a:lnTo>
+                  <a:pt x="0" y="120000"/>
+                </a:lnTo>
+                <a:close/>
+              </a:path>
+            </a:pathLst>
+          </a:custGeom>
+        </p:spPr>
+      </p:sp>
+      <p:sp>
+        <p:nvSpPr>
+          <p:cNvPr id="117" name="Google Shape;117;g7446d08b66_0_48:notes"/>
+          <p:cNvSpPr txBox="1">
+            <a:spLocks noGrp="1"/>
+          </p:cNvSpPr>
+          <p:nvPr>
+            <p:ph type="body" idx="1"/>
+          </p:nvPr>
+        </p:nvSpPr>
+        <p:spPr>
+          <a:xfrm>
+            <a:off x="685800" y="4343400"/>
+            <a:ext cx="5486400" cy="4114800"/>
+          </a:xfrm>
+          <a:prstGeom prst="rect">
+            <a:avLst/>
+          </a:prstGeom>
+        </p:spPr>
+        <p:txBody>
+          <a:bodyPr spcFirstLastPara="1" wrap="square" lIns="91425" tIns="91425" rIns="91425" bIns="91425" anchor="t" anchorCtr="0">
+            <a:noAutofit/>
+          </a:bodyPr>
+          <a:lstStyle/>
+          <a:p>
+            <a:pPr marL="0" lvl="0" indent="0" algn="l" rtl="0">
+              <a:spcBef>
+                <a:spcPts val="0"/>
+              </a:spcBef>
+              <a:spcAft>
+                <a:spcPts val="0"/>
+              </a:spcAft>
+              <a:buNone/>
+            </a:pPr>
+            <a:endParaRPr dirty="0"/>
+          </a:p>
+        </p:txBody>
+      </p:sp>
+    </p:spTree>
+    <p:extLst>
+      <p:ext uri="{BB962C8B-B14F-4D97-AF65-F5344CB8AC3E}">
+        <p14:creationId xmlns:p14="http://schemas.microsoft.com/office/powerpoint/2010/main" val="3337674150"/>
+      </p:ext>
+    </p:extLst>
+  </p:cSld>
+  <p:clrMapOvr>
+    <a:masterClrMapping/>
+  </p:clrMapOvr>
+</p:notes>
+</file>
+
+<file path=ppt/notesSlides/notesSlide12.xml><?xml version="1.0" encoding="utf-8"?>
+<p:notes xmlns:a="http://schemas.openxmlformats.org/drawingml/2006/main" xmlns:r="http://schemas.openxmlformats.org/officeDocument/2006/relationships" xmlns:p="http://schemas.openxmlformats.org/presentationml/2006/main" showMasterSp="0" showMasterPhAnim="0">
+  <p:cSld>
+    <p:spTree>
+      <p:nvGrpSpPr>
         <p:cNvPr id="1" name="Shape 129"/>
         <p:cNvGrpSpPr/>
         <p:nvPr/>
@@ -923,7 +1143,7 @@
               </a:spcAft>
               <a:buNone/>
             </a:pPr>
-            <a:endParaRPr/>
+            <a:endParaRPr dirty="0"/>
           </a:p>
         </p:txBody>
       </p:sp>
@@ -935,7 +1155,7 @@
 </p:notes>
 </file>
 
-<file path=ppt/notesSlides/notesSlide11.xml><?xml version="1.0" encoding="utf-8"?>
+<file path=ppt/notesSlides/notesSlide13.xml><?xml version="1.0" encoding="utf-8"?>
 <p:notes xmlns:a="http://schemas.openxmlformats.org/drawingml/2006/main" xmlns:r="http://schemas.openxmlformats.org/officeDocument/2006/relationships" xmlns:p="http://schemas.openxmlformats.org/presentationml/2006/main" showMasterSp="0" showMasterPhAnim="0">
   <p:cSld>
     <p:spTree>
@@ -1039,7 +1259,7 @@
 </p:notes>
 </file>
 
-<file path=ppt/notesSlides/notesSlide12.xml><?xml version="1.0" encoding="utf-8"?>
+<file path=ppt/notesSlides/notesSlide14.xml><?xml version="1.0" encoding="utf-8"?>
 <p:notes xmlns:a="http://schemas.openxmlformats.org/drawingml/2006/main" xmlns:r="http://schemas.openxmlformats.org/officeDocument/2006/relationships" xmlns:p="http://schemas.openxmlformats.org/presentationml/2006/main" showMasterSp="0" showMasterPhAnim="0">
   <p:cSld>
     <p:spTree>
@@ -1143,7 +1363,7 @@
 </p:notes>
 </file>
 
-<file path=ppt/notesSlides/notesSlide13.xml><?xml version="1.0" encoding="utf-8"?>
+<file path=ppt/notesSlides/notesSlide15.xml><?xml version="1.0" encoding="utf-8"?>
 <p:notes xmlns:a="http://schemas.openxmlformats.org/drawingml/2006/main" xmlns:r="http://schemas.openxmlformats.org/officeDocument/2006/relationships" xmlns:p="http://schemas.openxmlformats.org/presentationml/2006/main" showMasterSp="0" showMasterPhAnim="0">
   <p:cSld>
     <p:spTree>
@@ -1801,49 +2021,124 @@
           </a:bodyPr>
           <a:lstStyle/>
           <a:p>
-            <a:pPr marL="0" lvl="0" indent="0" algn="l" rtl="0">
-              <a:spcBef>
-                <a:spcPts val="0"/>
-              </a:spcBef>
-              <a:spcAft>
-                <a:spcPts val="0"/>
-              </a:spcAft>
-              <a:buNone/>
+            <a:pPr marL="0" marR="0" lvl="0" indent="0" algn="l" defTabSz="914400" rtl="0" eaLnBrk="1" fontAlgn="auto" latinLnBrk="0" hangingPunct="1">
+              <a:lnSpc>
+                <a:spcPct val="100000"/>
+              </a:lnSpc>
+              <a:spcBef>
+                <a:spcPts val="0"/>
+              </a:spcBef>
+              <a:spcAft>
+                <a:spcPts val="0"/>
+              </a:spcAft>
+              <a:buClr>
+                <a:srgbClr val="000000"/>
+              </a:buClr>
+              <a:buSzPts val="1100"/>
+              <a:buFont typeface="Arial"/>
+              <a:buNone/>
+              <a:tabLst/>
+              <a:defRPr/>
             </a:pPr>
             <a:r>
-              <a:rPr lang="en" dirty="0"/>
-              <a:t>Top left: …</a:t>
+              <a:rPr lang="en" i="0" dirty="0"/>
+              <a:t>Top left: </a:t>
             </a:r>
-          </a:p>
-          <a:p>
-            <a:pPr marL="0" lvl="0" indent="0" algn="l" rtl="0">
-              <a:spcBef>
-                <a:spcPts val="0"/>
-              </a:spcBef>
-              <a:spcAft>
-                <a:spcPts val="0"/>
-              </a:spcAft>
-              <a:buNone/>
+            <a:r>
+              <a:rPr lang="en-US" sz="1100" b="0" i="0" u="none" strike="noStrike" cap="none" dirty="0">
+                <a:solidFill>
+                  <a:srgbClr val="000000"/>
+                </a:solidFill>
+                <a:effectLst/>
+                <a:latin typeface="Arial"/>
+                <a:ea typeface="Arial"/>
+                <a:cs typeface="Arial"/>
+                <a:sym typeface="Arial"/>
+              </a:rPr>
+              <a:t>Comparing two classes based on number of words.</a:t>
+            </a:r>
+            <a:endParaRPr lang="en" i="0" dirty="0"/>
+          </a:p>
+          <a:p>
+            <a:pPr marL="0" marR="0" lvl="0" indent="0" algn="l" defTabSz="914400" rtl="0" eaLnBrk="1" fontAlgn="auto" latinLnBrk="0" hangingPunct="1">
+              <a:lnSpc>
+                <a:spcPct val="100000"/>
+              </a:lnSpc>
+              <a:spcBef>
+                <a:spcPts val="0"/>
+              </a:spcBef>
+              <a:spcAft>
+                <a:spcPts val="0"/>
+              </a:spcAft>
+              <a:buClr>
+                <a:srgbClr val="000000"/>
+              </a:buClr>
+              <a:buSzPts val="1100"/>
+              <a:buFont typeface="Arial"/>
+              <a:buNone/>
+              <a:tabLst/>
+              <a:defRPr/>
             </a:pPr>
             <a:r>
-              <a:rPr lang="en" dirty="0"/>
-              <a:t>Top right: …</a:t>
+              <a:rPr lang="en" i="0" dirty="0"/>
+              <a:t>Bottom left: </a:t>
             </a:r>
-          </a:p>
-          <a:p>
-            <a:pPr marL="0" lvl="0" indent="0" algn="l" rtl="0">
-              <a:spcBef>
-                <a:spcPts val="0"/>
-              </a:spcBef>
-              <a:spcAft>
-                <a:spcPts val="0"/>
-              </a:spcAft>
-              <a:buNone/>
+            <a:r>
+              <a:rPr lang="en-US" sz="1100" b="0" i="1" u="none" strike="noStrike" cap="none" dirty="0">
+                <a:solidFill>
+                  <a:srgbClr val="000000"/>
+                </a:solidFill>
+                <a:effectLst/>
+                <a:latin typeface="Arial"/>
+                <a:ea typeface="Arial"/>
+                <a:cs typeface="Arial"/>
+                <a:sym typeface="Arial"/>
+              </a:rPr>
+              <a:t>Comparing two classes based on number of characters.</a:t>
+            </a:r>
+            <a:r>
+              <a:rPr lang="en" i="0" dirty="0"/>
+              <a:t> </a:t>
+            </a:r>
+          </a:p>
+          <a:p>
+            <a:pPr marL="0" marR="0" lvl="0" indent="0" algn="l" defTabSz="914400" rtl="0" eaLnBrk="1" fontAlgn="auto" latinLnBrk="0" hangingPunct="1">
+              <a:lnSpc>
+                <a:spcPct val="100000"/>
+              </a:lnSpc>
+              <a:spcBef>
+                <a:spcPts val="0"/>
+              </a:spcBef>
+              <a:spcAft>
+                <a:spcPts val="0"/>
+              </a:spcAft>
+              <a:buClr>
+                <a:srgbClr val="000000"/>
+              </a:buClr>
+              <a:buSzPts val="1100"/>
+              <a:buFont typeface="Arial"/>
+              <a:buNone/>
+              <a:tabLst/>
+              <a:defRPr/>
             </a:pPr>
             <a:r>
-              <a:rPr lang="en" dirty="0"/>
-              <a:t>Bottom left: …</a:t>
+              <a:rPr lang="en" i="0" dirty="0"/>
+              <a:t>Top right: </a:t>
             </a:r>
+            <a:r>
+              <a:rPr lang="en-US" sz="1100" b="0" i="0" u="none" strike="noStrike" cap="none" dirty="0">
+                <a:solidFill>
+                  <a:srgbClr val="000000"/>
+                </a:solidFill>
+                <a:effectLst/>
+                <a:latin typeface="Arial"/>
+                <a:ea typeface="Arial"/>
+                <a:cs typeface="Arial"/>
+                <a:sym typeface="Arial"/>
+              </a:rPr>
+              <a:t>Word cloud for sincere questions. </a:t>
+            </a:r>
+            <a:endParaRPr lang="en" i="0" dirty="0"/>
           </a:p>
           <a:p>
             <a:pPr marL="0" lvl="0" indent="0" algn="l" rtl="0">
@@ -1856,9 +2151,23 @@
               <a:buNone/>
             </a:pPr>
             <a:r>
-              <a:rPr lang="en" dirty="0"/>
-              <a:t>Bottom right: …</a:t>
+              <a:rPr lang="en" i="0" dirty="0"/>
+              <a:t>Bottom right: </a:t>
             </a:r>
+            <a:r>
+              <a:rPr lang="en-US" sz="1100" b="0" i="0" u="none" strike="noStrike" cap="none" dirty="0">
+                <a:solidFill>
+                  <a:srgbClr val="000000"/>
+                </a:solidFill>
+                <a:effectLst/>
+                <a:latin typeface="Arial"/>
+                <a:ea typeface="Arial"/>
+                <a:cs typeface="Arial"/>
+                <a:sym typeface="Arial"/>
+              </a:rPr>
+              <a:t>Word cloud for insincere questions. </a:t>
+            </a:r>
+            <a:endParaRPr lang="en" i="0" dirty="0"/>
           </a:p>
           <a:p>
             <a:pPr marL="0" lvl="0" indent="0" algn="l" rtl="0">
@@ -1870,7 +2179,7 @@
               </a:spcAft>
               <a:buNone/>
             </a:pPr>
-            <a:endParaRPr dirty="0"/>
+            <a:endParaRPr i="0" dirty="0"/>
           </a:p>
         </p:txBody>
       </p:sp>
@@ -7728,6 +8037,366 @@
   <p:cSld>
     <p:spTree>
       <p:nvGrpSpPr>
+        <p:cNvPr id="1" name="Shape 118"/>
+        <p:cNvGrpSpPr/>
+        <p:nvPr/>
+      </p:nvGrpSpPr>
+      <p:grpSpPr>
+        <a:xfrm>
+          <a:off x="0" y="0"/>
+          <a:ext cx="0" cy="0"/>
+          <a:chOff x="0" y="0"/>
+          <a:chExt cx="0" cy="0"/>
+        </a:xfrm>
+      </p:grpSpPr>
+      <p:sp>
+        <p:nvSpPr>
+          <p:cNvPr id="119" name="Google Shape;119;p21"/>
+          <p:cNvSpPr txBox="1">
+            <a:spLocks noGrp="1"/>
+          </p:cNvSpPr>
+          <p:nvPr>
+            <p:ph type="title"/>
+          </p:nvPr>
+        </p:nvSpPr>
+        <p:spPr>
+          <a:xfrm>
+            <a:off x="387900" y="458025"/>
+            <a:ext cx="8368200" cy="686100"/>
+          </a:xfrm>
+          <a:prstGeom prst="rect">
+            <a:avLst/>
+          </a:prstGeom>
+        </p:spPr>
+        <p:txBody>
+          <a:bodyPr spcFirstLastPara="1" wrap="square" lIns="91425" tIns="91425" rIns="91425" bIns="91425" anchor="b" anchorCtr="0">
+            <a:noAutofit/>
+          </a:bodyPr>
+          <a:lstStyle/>
+          <a:p>
+            <a:pPr marL="0" lvl="0" indent="0" algn="l" rtl="0">
+              <a:spcBef>
+                <a:spcPts val="0"/>
+              </a:spcBef>
+              <a:spcAft>
+                <a:spcPts val="0"/>
+              </a:spcAft>
+              <a:buNone/>
+            </a:pPr>
+            <a:r>
+              <a:rPr lang="en" dirty="0"/>
+              <a:t>ROC and Precision-Recall Curves</a:t>
+            </a:r>
+            <a:endParaRPr dirty="0"/>
+          </a:p>
+        </p:txBody>
+      </p:sp>
+      <p:pic>
+        <p:nvPicPr>
+          <p:cNvPr id="8" name="Picture 7" descr="A close up of a map&#10;&#10;Description automatically generated">
+            <a:extLst>
+              <a:ext uri="{FF2B5EF4-FFF2-40B4-BE49-F238E27FC236}">
+                <a16:creationId xmlns:a16="http://schemas.microsoft.com/office/drawing/2014/main" id="{1C60EDF5-18CF-EA4F-B085-811B4DBF8984}"/>
+              </a:ext>
+            </a:extLst>
+          </p:cNvPr>
+          <p:cNvPicPr/>
+          <p:nvPr/>
+        </p:nvPicPr>
+        <p:blipFill>
+          <a:blip r:embed="rId3"/>
+          <a:stretch>
+            <a:fillRect/>
+          </a:stretch>
+        </p:blipFill>
+        <p:spPr>
+          <a:xfrm>
+            <a:off x="532251" y="1662528"/>
+            <a:ext cx="3847465" cy="2639060"/>
+          </a:xfrm>
+          <a:prstGeom prst="rect">
+            <a:avLst/>
+          </a:prstGeom>
+        </p:spPr>
+      </p:pic>
+      <p:pic>
+        <p:nvPicPr>
+          <p:cNvPr id="9" name="Picture 8" descr="A screenshot of a map&#10;&#10;Description automatically generated">
+            <a:extLst>
+              <a:ext uri="{FF2B5EF4-FFF2-40B4-BE49-F238E27FC236}">
+                <a16:creationId xmlns:a16="http://schemas.microsoft.com/office/drawing/2014/main" id="{3ED57FC1-90F3-7B4A-9BD1-A2C35B2AE454}"/>
+              </a:ext>
+            </a:extLst>
+          </p:cNvPr>
+          <p:cNvPicPr/>
+          <p:nvPr/>
+        </p:nvPicPr>
+        <p:blipFill>
+          <a:blip r:embed="rId4"/>
+          <a:stretch>
+            <a:fillRect/>
+          </a:stretch>
+        </p:blipFill>
+        <p:spPr>
+          <a:xfrm>
+            <a:off x="4683858" y="1645383"/>
+            <a:ext cx="4254500" cy="2673350"/>
+          </a:xfrm>
+          <a:prstGeom prst="rect">
+            <a:avLst/>
+          </a:prstGeom>
+        </p:spPr>
+      </p:pic>
+    </p:spTree>
+    <p:extLst>
+      <p:ext uri="{BB962C8B-B14F-4D97-AF65-F5344CB8AC3E}">
+        <p14:creationId xmlns:p14="http://schemas.microsoft.com/office/powerpoint/2010/main" val="2027607501"/>
+      </p:ext>
+    </p:extLst>
+  </p:cSld>
+  <p:clrMapOvr>
+    <a:masterClrMapping/>
+  </p:clrMapOvr>
+</p:sld>
+</file>
+
+<file path=ppt/slides/slide11.xml><?xml version="1.0" encoding="utf-8"?>
+<p:sld xmlns:a="http://schemas.openxmlformats.org/drawingml/2006/main" xmlns:r="http://schemas.openxmlformats.org/officeDocument/2006/relationships" xmlns:p="http://schemas.openxmlformats.org/presentationml/2006/main">
+  <p:cSld>
+    <p:spTree>
+      <p:nvGrpSpPr>
+        <p:cNvPr id="1" name="Shape 118"/>
+        <p:cNvGrpSpPr/>
+        <p:nvPr/>
+      </p:nvGrpSpPr>
+      <p:grpSpPr>
+        <a:xfrm>
+          <a:off x="0" y="0"/>
+          <a:ext cx="0" cy="0"/>
+          <a:chOff x="0" y="0"/>
+          <a:chExt cx="0" cy="0"/>
+        </a:xfrm>
+      </p:grpSpPr>
+      <p:sp>
+        <p:nvSpPr>
+          <p:cNvPr id="119" name="Google Shape;119;p21"/>
+          <p:cNvSpPr txBox="1">
+            <a:spLocks noGrp="1"/>
+          </p:cNvSpPr>
+          <p:nvPr>
+            <p:ph type="title"/>
+          </p:nvPr>
+        </p:nvSpPr>
+        <p:spPr>
+          <a:xfrm>
+            <a:off x="387900" y="458025"/>
+            <a:ext cx="8368200" cy="686100"/>
+          </a:xfrm>
+          <a:prstGeom prst="rect">
+            <a:avLst/>
+          </a:prstGeom>
+        </p:spPr>
+        <p:txBody>
+          <a:bodyPr spcFirstLastPara="1" wrap="square" lIns="91425" tIns="91425" rIns="91425" bIns="91425" anchor="b" anchorCtr="0">
+            <a:noAutofit/>
+          </a:bodyPr>
+          <a:lstStyle/>
+          <a:p>
+            <a:pPr marL="0" lvl="0" indent="0" algn="l" rtl="0">
+              <a:spcBef>
+                <a:spcPts val="0"/>
+              </a:spcBef>
+              <a:spcAft>
+                <a:spcPts val="0"/>
+              </a:spcAft>
+              <a:buNone/>
+            </a:pPr>
+            <a:r>
+              <a:rPr lang="en" dirty="0"/>
+              <a:t>Top features</a:t>
+            </a:r>
+            <a:endParaRPr dirty="0"/>
+          </a:p>
+        </p:txBody>
+      </p:sp>
+      <p:pic>
+        <p:nvPicPr>
+          <p:cNvPr id="4" name="Picture 3" descr="A screenshot of a cell phone&#10;&#10;Description automatically generated">
+            <a:extLst>
+              <a:ext uri="{FF2B5EF4-FFF2-40B4-BE49-F238E27FC236}">
+                <a16:creationId xmlns:a16="http://schemas.microsoft.com/office/drawing/2014/main" id="{A622DE6F-9119-BC45-8996-CB1868BBC6D7}"/>
+              </a:ext>
+            </a:extLst>
+          </p:cNvPr>
+          <p:cNvPicPr/>
+          <p:nvPr/>
+        </p:nvPicPr>
+        <p:blipFill>
+          <a:blip r:embed="rId3"/>
+          <a:stretch>
+            <a:fillRect/>
+          </a:stretch>
+        </p:blipFill>
+        <p:spPr>
+          <a:xfrm>
+            <a:off x="3158234" y="542480"/>
+            <a:ext cx="1403180" cy="4077800"/>
+          </a:xfrm>
+          <a:prstGeom prst="rect">
+            <a:avLst/>
+          </a:prstGeom>
+        </p:spPr>
+      </p:pic>
+      <p:pic>
+        <p:nvPicPr>
+          <p:cNvPr id="5" name="Picture 4" descr="A screenshot of a cell phone&#10;&#10;Description automatically generated">
+            <a:extLst>
+              <a:ext uri="{FF2B5EF4-FFF2-40B4-BE49-F238E27FC236}">
+                <a16:creationId xmlns:a16="http://schemas.microsoft.com/office/drawing/2014/main" id="{1B4F73C7-11A3-6C46-A54C-98467E870ACC}"/>
+              </a:ext>
+            </a:extLst>
+          </p:cNvPr>
+          <p:cNvPicPr/>
+          <p:nvPr/>
+        </p:nvPicPr>
+        <p:blipFill>
+          <a:blip r:embed="rId4"/>
+          <a:stretch>
+            <a:fillRect/>
+          </a:stretch>
+        </p:blipFill>
+        <p:spPr>
+          <a:xfrm>
+            <a:off x="6892034" y="542480"/>
+            <a:ext cx="1403180" cy="4077800"/>
+          </a:xfrm>
+          <a:prstGeom prst="rect">
+            <a:avLst/>
+          </a:prstGeom>
+        </p:spPr>
+      </p:pic>
+      <p:sp>
+        <p:nvSpPr>
+          <p:cNvPr id="2" name="Rectangle 1">
+            <a:extLst>
+              <a:ext uri="{FF2B5EF4-FFF2-40B4-BE49-F238E27FC236}">
+                <a16:creationId xmlns:a16="http://schemas.microsoft.com/office/drawing/2014/main" id="{FEC0A2E7-8530-D94D-9D94-5402C3680208}"/>
+              </a:ext>
+            </a:extLst>
+          </p:cNvPr>
+          <p:cNvSpPr/>
+          <p:nvPr/>
+        </p:nvSpPr>
+        <p:spPr>
+          <a:xfrm>
+            <a:off x="2309448" y="4620280"/>
+            <a:ext cx="3100752" cy="307777"/>
+          </a:xfrm>
+          <a:prstGeom prst="rect">
+            <a:avLst/>
+          </a:prstGeom>
+        </p:spPr>
+        <p:txBody>
+          <a:bodyPr wrap="square">
+            <a:spAutoFit/>
+          </a:bodyPr>
+          <a:lstStyle/>
+          <a:p>
+            <a:pPr>
+              <a:spcAft>
+                <a:spcPts val="1000"/>
+              </a:spcAft>
+            </a:pPr>
+            <a:r>
+              <a:rPr lang="en-US" dirty="0">
+                <a:solidFill>
+                  <a:schemeClr val="tx1"/>
+                </a:solidFill>
+                <a:latin typeface="Arial" panose="020B0604020202020204" pitchFamily="34" charset="0"/>
+                <a:ea typeface="Times New Roman" panose="02020603050405020304" pitchFamily="18" charset="0"/>
+              </a:rPr>
+              <a:t>Top features for sincere questions.</a:t>
+            </a:r>
+            <a:endParaRPr lang="en-US" dirty="0">
+              <a:solidFill>
+                <a:schemeClr val="tx1"/>
+              </a:solidFill>
+              <a:latin typeface="Times New Roman" panose="02020603050405020304" pitchFamily="18" charset="0"/>
+              <a:ea typeface="Times New Roman" panose="02020603050405020304" pitchFamily="18" charset="0"/>
+            </a:endParaRPr>
+          </a:p>
+        </p:txBody>
+      </p:sp>
+      <p:sp>
+        <p:nvSpPr>
+          <p:cNvPr id="7" name="Rectangle 6">
+            <a:extLst>
+              <a:ext uri="{FF2B5EF4-FFF2-40B4-BE49-F238E27FC236}">
+                <a16:creationId xmlns:a16="http://schemas.microsoft.com/office/drawing/2014/main" id="{5E4C4887-AE94-2543-B208-5F600469599C}"/>
+              </a:ext>
+            </a:extLst>
+          </p:cNvPr>
+          <p:cNvSpPr/>
+          <p:nvPr/>
+        </p:nvSpPr>
+        <p:spPr>
+          <a:xfrm>
+            <a:off x="6043248" y="4620280"/>
+            <a:ext cx="3100752" cy="307777"/>
+          </a:xfrm>
+          <a:prstGeom prst="rect">
+            <a:avLst/>
+          </a:prstGeom>
+        </p:spPr>
+        <p:txBody>
+          <a:bodyPr wrap="square">
+            <a:spAutoFit/>
+          </a:bodyPr>
+          <a:lstStyle/>
+          <a:p>
+            <a:pPr>
+              <a:spcAft>
+                <a:spcPts val="1000"/>
+              </a:spcAft>
+            </a:pPr>
+            <a:r>
+              <a:rPr lang="en-US" dirty="0">
+                <a:solidFill>
+                  <a:schemeClr val="tx1"/>
+                </a:solidFill>
+                <a:latin typeface="Arial" panose="020B0604020202020204" pitchFamily="34" charset="0"/>
+                <a:ea typeface="Times New Roman" panose="02020603050405020304" pitchFamily="18" charset="0"/>
+              </a:rPr>
+              <a:t>Top features for insincere questions.</a:t>
+            </a:r>
+            <a:endParaRPr lang="en-US" dirty="0">
+              <a:solidFill>
+                <a:schemeClr val="tx1"/>
+              </a:solidFill>
+              <a:latin typeface="Times New Roman" panose="02020603050405020304" pitchFamily="18" charset="0"/>
+              <a:ea typeface="Times New Roman" panose="02020603050405020304" pitchFamily="18" charset="0"/>
+            </a:endParaRPr>
+          </a:p>
+        </p:txBody>
+      </p:sp>
+    </p:spTree>
+    <p:extLst>
+      <p:ext uri="{BB962C8B-B14F-4D97-AF65-F5344CB8AC3E}">
+        <p14:creationId xmlns:p14="http://schemas.microsoft.com/office/powerpoint/2010/main" val="936083258"/>
+      </p:ext>
+    </p:extLst>
+  </p:cSld>
+  <p:clrMapOvr>
+    <a:masterClrMapping/>
+  </p:clrMapOvr>
+</p:sld>
+</file>
+
+<file path=ppt/slides/slide12.xml><?xml version="1.0" encoding="utf-8"?>
+<p:sld xmlns:a="http://schemas.openxmlformats.org/drawingml/2006/main" xmlns:r="http://schemas.openxmlformats.org/officeDocument/2006/relationships" xmlns:p="http://schemas.openxmlformats.org/presentationml/2006/main">
+  <p:cSld>
+    <p:spTree>
+      <p:nvGrpSpPr>
         <p:cNvPr id="1" name="Shape 132"/>
         <p:cNvGrpSpPr/>
         <p:nvPr/>
@@ -7807,19 +8476,51 @@
           </a:bodyPr>
           <a:lstStyle/>
           <a:p>
-            <a:pPr marL="457200" lvl="0" indent="-368300" algn="l" rtl="0">
-              <a:spcBef>
-                <a:spcPts val="0"/>
-              </a:spcBef>
-              <a:spcAft>
-                <a:spcPts val="0"/>
-              </a:spcAft>
+            <a:pPr lvl="0" indent="-368300">
               <a:buSzPts val="2200"/>
               <a:buChar char="❖"/>
             </a:pPr>
             <a:r>
-              <a:rPr lang="en-US" sz="2200" dirty="0"/>
-              <a:t>…</a:t>
+              <a:rPr lang="en-US" dirty="0"/>
+              <a:t>One can use logistic regression classifier with a certain threshold to achieve the optimal precision-recall tradeoff. </a:t>
+            </a:r>
+          </a:p>
+          <a:p>
+            <a:pPr lvl="0" indent="-368300">
+              <a:buSzPts val="2200"/>
+              <a:buChar char="❖"/>
+            </a:pPr>
+            <a:endParaRPr lang="en-US" sz="2200" dirty="0"/>
+          </a:p>
+          <a:p>
+            <a:pPr lvl="0" indent="-368300">
+              <a:buSzPts val="2200"/>
+              <a:buChar char="❖"/>
+            </a:pPr>
+            <a:r>
+              <a:rPr lang="en-US" dirty="0"/>
+              <a:t>It can be a challenging task to find the optimal operating point (threshold). </a:t>
+            </a:r>
+          </a:p>
+          <a:p>
+            <a:pPr lvl="0" indent="-368300">
+              <a:buSzPts val="2200"/>
+              <a:buChar char="❖"/>
+            </a:pPr>
+            <a:endParaRPr lang="en-US" dirty="0"/>
+          </a:p>
+          <a:p>
+            <a:pPr lvl="0" indent="-368300">
+              <a:buSzPts val="2200"/>
+              <a:buChar char="❖"/>
+            </a:pPr>
+            <a:r>
+              <a:rPr lang="en-US" dirty="0"/>
+              <a:t>Other factors such as user experience, business and finance need to be considered in order to make the best decision.</a:t>
+            </a:r>
+            <a:r>
+              <a:rPr lang="en-US" sz="2400" dirty="0"/>
+              <a:t> </a:t>
             </a:r>
             <a:endParaRPr sz="2200" dirty="0"/>
           </a:p>
@@ -7833,7 +8534,7 @@
 </p:sld>
 </file>
 
-<file path=ppt/slides/slide11.xml><?xml version="1.0" encoding="utf-8"?>
+<file path=ppt/slides/slide13.xml><?xml version="1.0" encoding="utf-8"?>
 <p:sld xmlns:a="http://schemas.openxmlformats.org/drawingml/2006/main" xmlns:r="http://schemas.openxmlformats.org/officeDocument/2006/relationships" xmlns:p="http://schemas.openxmlformats.org/presentationml/2006/main">
   <p:cSld>
     <p:spTree>
@@ -7955,19 +8656,42 @@
           </a:bodyPr>
           <a:lstStyle/>
           <a:p>
-            <a:pPr marL="457200" lvl="0" indent="-342900" algn="l" rtl="0">
-              <a:spcBef>
-                <a:spcPts val="0"/>
-              </a:spcBef>
-              <a:spcAft>
-                <a:spcPts val="0"/>
-              </a:spcAft>
-              <a:buSzPts val="1800"/>
+            <a:pPr lvl="0">
               <a:buChar char="❖"/>
             </a:pPr>
             <a:r>
               <a:rPr lang="en-US" dirty="0"/>
-              <a:t>…</a:t>
+              <a:t>Investigate other classifiers such as tree-based methods.</a:t>
+            </a:r>
+          </a:p>
+          <a:p>
+            <a:pPr lvl="0">
+              <a:buChar char="❖"/>
+            </a:pPr>
+            <a:endParaRPr lang="en-US" dirty="0"/>
+          </a:p>
+          <a:p>
+            <a:pPr lvl="0">
+              <a:buChar char="❖"/>
+            </a:pPr>
+            <a:r>
+              <a:rPr lang="en-US" dirty="0"/>
+              <a:t>Consider other metrics such as F1-score.</a:t>
+            </a:r>
+          </a:p>
+          <a:p>
+            <a:pPr lvl="0">
+              <a:buChar char="❖"/>
+            </a:pPr>
+            <a:endParaRPr lang="en-US" dirty="0"/>
+          </a:p>
+          <a:p>
+            <a:pPr lvl="0">
+              <a:buChar char="❖"/>
+            </a:pPr>
+            <a:r>
+              <a:rPr lang="en-US" dirty="0"/>
+              <a:t>Study further optimizing hyper-parameters.</a:t>
             </a:r>
             <a:endParaRPr dirty="0"/>
           </a:p>
@@ -7981,7 +8705,7 @@
 </p:sld>
 </file>
 
-<file path=ppt/slides/slide12.xml><?xml version="1.0" encoding="utf-8"?>
+<file path=ppt/slides/slide14.xml><?xml version="1.0" encoding="utf-8"?>
 <p:sld xmlns:a="http://schemas.openxmlformats.org/drawingml/2006/main" xmlns:r="http://schemas.openxmlformats.org/officeDocument/2006/relationships" xmlns:p="http://schemas.openxmlformats.org/presentationml/2006/main">
   <p:cSld>
     <p:spTree>
@@ -8103,20 +8827,28 @@
           </a:bodyPr>
           <a:lstStyle/>
           <a:p>
-            <a:pPr marL="0" lvl="0" indent="0" algn="l" rtl="0">
-              <a:spcBef>
-                <a:spcPts val="0"/>
-              </a:spcBef>
-              <a:spcAft>
-                <a:spcPts val="0"/>
-              </a:spcAft>
-              <a:buNone/>
+            <a:pPr lvl="0">
+              <a:buChar char="❖"/>
             </a:pPr>
             <a:r>
               <a:rPr lang="en-US" dirty="0"/>
-              <a:t>…</a:t>
+              <a:t>Kaggle and Quora for providing data </a:t>
             </a:r>
-            <a:endParaRPr dirty="0"/>
+          </a:p>
+          <a:p>
+            <a:pPr lvl="0">
+              <a:buChar char="❖"/>
+            </a:pPr>
+            <a:endParaRPr lang="en-US" dirty="0"/>
+          </a:p>
+          <a:p>
+            <a:pPr lvl="0">
+              <a:buChar char="❖"/>
+            </a:pPr>
+            <a:r>
+              <a:rPr lang="en-US" dirty="0"/>
+              <a:t>Lucas Allen for guidance during project</a:t>
+            </a:r>
           </a:p>
         </p:txBody>
       </p:sp>
@@ -8128,7 +8860,7 @@
 </p:sld>
 </file>
 
-<file path=ppt/slides/slide13.xml><?xml version="1.0" encoding="utf-8"?>
+<file path=ppt/slides/slide15.xml><?xml version="1.0" encoding="utf-8"?>
 <p:sld xmlns:a="http://schemas.openxmlformats.org/drawingml/2006/main" xmlns:r="http://schemas.openxmlformats.org/officeDocument/2006/relationships" xmlns:p="http://schemas.openxmlformats.org/presentationml/2006/main">
   <p:cSld>
     <p:spTree>
@@ -8440,7 +9172,19 @@
                 <a:cs typeface="Roboto Slab"/>
                 <a:sym typeface="Roboto Slab"/>
               </a:rPr>
-              <a:t>Reduce monitoring costs by </a:t>
+              <a:t>Reduce monitoring costs by applying classifier to tag </a:t>
+            </a:r>
+            <a:r>
+              <a:rPr lang="en" sz="2400" dirty="0" err="1">
+                <a:solidFill>
+                  <a:schemeClr val="dk1"/>
+                </a:solidFill>
+                <a:latin typeface="Roboto Slab"/>
+                <a:ea typeface="Roboto Slab"/>
+                <a:cs typeface="Roboto Slab"/>
+                <a:sym typeface="Roboto Slab"/>
+              </a:rPr>
+              <a:t>inap</a:t>
             </a:r>
             <a:r>
               <a:rPr lang="en-US" sz="2400" dirty="0">
@@ -8452,28 +9196,32 @@
                 <a:cs typeface="Roboto Slab"/>
                 <a:sym typeface="Roboto Slab"/>
               </a:rPr>
-              <a:t>…</a:t>
+              <a:t>p</a:t>
             </a:r>
-            <a:endParaRPr sz="2400" dirty="0">
-              <a:solidFill>
-                <a:schemeClr val="dk1"/>
-              </a:solidFill>
-              <a:latin typeface="Roboto Slab"/>
-              <a:ea typeface="Roboto Slab"/>
-              <a:cs typeface="Roboto Slab"/>
-              <a:sym typeface="Roboto Slab"/>
-            </a:endParaRPr>
-          </a:p>
-          <a:p>
-            <a:pPr marL="0" lvl="0" indent="0" algn="l" rtl="0">
-              <a:spcBef>
-                <a:spcPts val="0"/>
-              </a:spcBef>
-              <a:spcAft>
-                <a:spcPts val="0"/>
-              </a:spcAft>
-              <a:buNone/>
-            </a:pPr>
+            <a:r>
+              <a:rPr lang="en" sz="2400" dirty="0" err="1">
+                <a:solidFill>
+                  <a:schemeClr val="dk1"/>
+                </a:solidFill>
+                <a:latin typeface="Roboto Slab"/>
+                <a:ea typeface="Roboto Slab"/>
+                <a:cs typeface="Roboto Slab"/>
+                <a:sym typeface="Roboto Slab"/>
+              </a:rPr>
+              <a:t>ropriate</a:t>
+            </a:r>
+            <a:r>
+              <a:rPr lang="en" sz="2400" dirty="0">
+                <a:solidFill>
+                  <a:schemeClr val="dk1"/>
+                </a:solidFill>
+                <a:latin typeface="Roboto Slab"/>
+                <a:ea typeface="Roboto Slab"/>
+                <a:cs typeface="Roboto Slab"/>
+                <a:sym typeface="Roboto Slab"/>
+              </a:rPr>
+              <a:t> questions</a:t>
+            </a:r>
             <a:endParaRPr dirty="0">
               <a:latin typeface="Roboto"/>
               <a:ea typeface="Roboto"/>
@@ -8869,7 +9617,7 @@
               <a:rPr lang="en-US" dirty="0">
                 <a:sym typeface="Arial"/>
               </a:rPr>
-              <a:t>We only consider 20% of data (261224 rows)</a:t>
+              <a:t>We only consider 20% of data (261,224 rows)</a:t>
             </a:r>
             <a:endParaRPr lang="en-US" dirty="0"/>
           </a:p>
@@ -9169,6 +9917,12 @@
               <a:rPr lang="en-US" dirty="0"/>
               <a:t>Logistic Regression</a:t>
             </a:r>
+          </a:p>
+          <a:p>
+            <a:pPr marL="101600" lvl="0" indent="0">
+              <a:buSzPts val="2000"/>
+              <a:buNone/>
+            </a:pPr>
             <a:br>
               <a:rPr lang="en-US" dirty="0"/>
             </a:br>
@@ -9188,6 +9942,13 @@
             <a:pPr lvl="0" indent="-355600">
               <a:buSzPts val="2000"/>
               <a:buChar char="❖"/>
+            </a:pPr>
+            <a:endParaRPr lang="en-US" dirty="0"/>
+          </a:p>
+          <a:p>
+            <a:pPr marL="101600" lvl="0" indent="0">
+              <a:buSzPts val="2000"/>
+              <a:buNone/>
             </a:pPr>
             <a:endParaRPr lang="en-US" dirty="0"/>
           </a:p>
@@ -9276,6 +10037,34 @@
           </a:p>
         </p:txBody>
       </p:sp>
+      <p:pic>
+        <p:nvPicPr>
+          <p:cNvPr id="3" name="Picture 2" descr="A close up of a map&#10;&#10;Description automatically generated">
+            <a:extLst>
+              <a:ext uri="{FF2B5EF4-FFF2-40B4-BE49-F238E27FC236}">
+                <a16:creationId xmlns:a16="http://schemas.microsoft.com/office/drawing/2014/main" id="{1708244C-15EC-894C-A205-F99EEC6312A7}"/>
+              </a:ext>
+            </a:extLst>
+          </p:cNvPr>
+          <p:cNvPicPr/>
+          <p:nvPr/>
+        </p:nvPicPr>
+        <p:blipFill>
+          <a:blip r:embed="rId3"/>
+          <a:stretch>
+            <a:fillRect/>
+          </a:stretch>
+        </p:blipFill>
+        <p:spPr>
+          <a:xfrm>
+            <a:off x="2438619" y="1500725"/>
+            <a:ext cx="4055745" cy="2693035"/>
+          </a:xfrm>
+          <a:prstGeom prst="rect">
+            <a:avLst/>
+          </a:prstGeom>
+        </p:spPr>
+      </p:pic>
     </p:spTree>
   </p:cSld>
   <p:clrMapOvr>
@@ -9422,20 +10211,31 @@
             <a:endParaRPr lang="en-US" sz="2400" dirty="0"/>
           </a:p>
           <a:p>
-            <a:pPr marL="457200" lvl="0" indent="-361950" algn="l" rtl="0">
+            <a:pPr lvl="0" indent="-361950">
               <a:spcBef>
                 <a:spcPts val="1600"/>
               </a:spcBef>
-              <a:spcAft>
-                <a:spcPts val="0"/>
-              </a:spcAft>
               <a:buSzPts val="2100"/>
               <a:buChar char="❖"/>
             </a:pPr>
             <a:r>
-              <a:rPr lang="en-US" sz="2100" dirty="0"/>
-              <a:t>…</a:t>
+              <a:rPr lang="en-US" dirty="0"/>
+              <a:t>We used 5-fold cross validation and perform grid search to find optimal set of parameters for each model. </a:t>
             </a:r>
+          </a:p>
+          <a:p>
+            <a:pPr lvl="0" indent="-361950">
+              <a:spcBef>
+                <a:spcPts val="1600"/>
+              </a:spcBef>
+              <a:buSzPts val="2100"/>
+              <a:buChar char="❖"/>
+            </a:pPr>
+            <a:r>
+              <a:rPr lang="en-US" dirty="0"/>
+              <a:t>Compare models based on their average precision. </a:t>
+            </a:r>
+            <a:endParaRPr lang="en-US" sz="2100" dirty="0"/>
           </a:p>
         </p:txBody>
       </p:sp>
